--- a/Benevera Health Final PowerPoint.pptx
+++ b/Benevera Health Final PowerPoint.pptx
@@ -40910,21 +40910,8 @@
           <a:p>
             <a:r>
               <a:rPr lang="en-US" dirty="0"/>
-              <a:t>Project Team: Kiana Brigham, Sindhu </a:t>
+              <a:t>Project Team: Kiana Brigham, Sindhu Veeramacheneni, Zachary Zalman</a:t>
             </a:r>
-            <a:r>
-              <a:rPr lang="en-US" dirty="0" err="1"/>
-              <a:t>Veeramacheneni</a:t>
-            </a:r>
-            <a:r>
-              <a:rPr lang="en-US" dirty="0"/>
-              <a:t>, Zachary </a:t>
-            </a:r>
-            <a:r>
-              <a:rPr lang="en-US" dirty="0" err="1"/>
-              <a:t>Zalman</a:t>
-            </a:r>
-            <a:endParaRPr lang="en-US" dirty="0"/>
           </a:p>
           <a:p>
             <a:endParaRPr lang="en-US" dirty="0"/>
@@ -40932,15 +40919,7 @@
           <a:p>
             <a:r>
               <a:rPr lang="en-US" dirty="0"/>
-              <a:t>Benevera </a:t>
-            </a:r>
-            <a:r>
-              <a:rPr lang="en-US" dirty="0" err="1"/>
-              <a:t>Liason</a:t>
-            </a:r>
-            <a:r>
-              <a:rPr lang="en-US" dirty="0"/>
-              <a:t>: Steven Glover</a:t>
+              <a:t>Benevera Liaison: Steven Glover</a:t>
             </a:r>
           </a:p>
         </p:txBody>
